--- a/docs/FIAP-QualidProjSW-Aula-1-Introducao Qualidade - EXERCICIOS.pptx
+++ b/docs/FIAP-QualidProjSW-Aula-1-Introducao Qualidade - EXERCICIOS.pptx
@@ -217,7 +217,7 @@
           <a:p>
             <a:fld id="{B6D4C934-FEA0-426E-B081-61FE807EA637}" type="datetimeFigureOut">
               <a:rPr lang="pt-BR" smtClean="0"/>
-              <a:t>22/01/2020</a:t>
+              <a:t>26/03/2020</a:t>
             </a:fld>
             <a:endParaRPr lang="pt-BR"/>
           </a:p>
@@ -1441,7 +1441,7 @@
           <a:p>
             <a:fld id="{89C4B140-6DEB-45EB-A5FE-2FE213A19AB6}" type="datetimeFigureOut">
               <a:rPr lang="pt-BR" smtClean="0"/>
-              <a:t>22/01/2020</a:t>
+              <a:t>26/03/2020</a:t>
             </a:fld>
             <a:endParaRPr lang="pt-BR"/>
           </a:p>
@@ -1649,7 +1649,7 @@
           <a:p>
             <a:fld id="{89C4B140-6DEB-45EB-A5FE-2FE213A19AB6}" type="datetimeFigureOut">
               <a:rPr lang="pt-BR" smtClean="0"/>
-              <a:t>22/01/2020</a:t>
+              <a:t>26/03/2020</a:t>
             </a:fld>
             <a:endParaRPr lang="pt-BR"/>
           </a:p>
@@ -1857,7 +1857,7 @@
           <a:p>
             <a:fld id="{89C4B140-6DEB-45EB-A5FE-2FE213A19AB6}" type="datetimeFigureOut">
               <a:rPr lang="pt-BR" smtClean="0"/>
-              <a:t>22/01/2020</a:t>
+              <a:t>26/03/2020</a:t>
             </a:fld>
             <a:endParaRPr lang="pt-BR"/>
           </a:p>
@@ -2263,7 +2263,7 @@
           <a:p>
             <a:fld id="{89C4B140-6DEB-45EB-A5FE-2FE213A19AB6}" type="datetimeFigureOut">
               <a:rPr lang="pt-BR" smtClean="0"/>
-              <a:t>22/01/2020</a:t>
+              <a:t>26/03/2020</a:t>
             </a:fld>
             <a:endParaRPr lang="pt-BR"/>
           </a:p>
@@ -2538,7 +2538,7 @@
           <a:p>
             <a:fld id="{89C4B140-6DEB-45EB-A5FE-2FE213A19AB6}" type="datetimeFigureOut">
               <a:rPr lang="pt-BR" smtClean="0"/>
-              <a:t>22/01/2020</a:t>
+              <a:t>26/03/2020</a:t>
             </a:fld>
             <a:endParaRPr lang="pt-BR"/>
           </a:p>
@@ -2861,7 +2861,7 @@
           <a:p>
             <a:fld id="{89C4B140-6DEB-45EB-A5FE-2FE213A19AB6}" type="datetimeFigureOut">
               <a:rPr lang="pt-BR" smtClean="0"/>
-              <a:t>22/01/2020</a:t>
+              <a:t>26/03/2020</a:t>
             </a:fld>
             <a:endParaRPr lang="pt-BR"/>
           </a:p>
@@ -3324,7 +3324,7 @@
           <a:p>
             <a:fld id="{89C4B140-6DEB-45EB-A5FE-2FE213A19AB6}" type="datetimeFigureOut">
               <a:rPr lang="pt-BR" smtClean="0"/>
-              <a:t>22/01/2020</a:t>
+              <a:t>26/03/2020</a:t>
             </a:fld>
             <a:endParaRPr lang="pt-BR"/>
           </a:p>
@@ -3473,7 +3473,7 @@
           <a:p>
             <a:fld id="{89C4B140-6DEB-45EB-A5FE-2FE213A19AB6}" type="datetimeFigureOut">
               <a:rPr lang="pt-BR" smtClean="0"/>
-              <a:t>22/01/2020</a:t>
+              <a:t>26/03/2020</a:t>
             </a:fld>
             <a:endParaRPr lang="pt-BR"/>
           </a:p>
@@ -3592,7 +3592,7 @@
           <a:p>
             <a:fld id="{89C4B140-6DEB-45EB-A5FE-2FE213A19AB6}" type="datetimeFigureOut">
               <a:rPr lang="pt-BR" smtClean="0"/>
-              <a:t>22/01/2020</a:t>
+              <a:t>26/03/2020</a:t>
             </a:fld>
             <a:endParaRPr lang="pt-BR"/>
           </a:p>
@@ -3900,7 +3900,7 @@
           <a:p>
             <a:fld id="{89C4B140-6DEB-45EB-A5FE-2FE213A19AB6}" type="datetimeFigureOut">
               <a:rPr lang="pt-BR" smtClean="0"/>
-              <a:t>22/01/2020</a:t>
+              <a:t>26/03/2020</a:t>
             </a:fld>
             <a:endParaRPr lang="pt-BR"/>
           </a:p>
@@ -4185,7 +4185,7 @@
           <a:p>
             <a:fld id="{89C4B140-6DEB-45EB-A5FE-2FE213A19AB6}" type="datetimeFigureOut">
               <a:rPr lang="pt-BR" smtClean="0"/>
-              <a:t>22/01/2020</a:t>
+              <a:t>26/03/2020</a:t>
             </a:fld>
             <a:endParaRPr lang="pt-BR"/>
           </a:p>
@@ -4944,7 +4944,7 @@
         <p:spPr>
           <a:xfrm>
             <a:off x="753249" y="4510861"/>
-            <a:ext cx="2954655" cy="646331"/>
+            <a:ext cx="3877985" cy="646331"/>
           </a:xfrm>
           <a:prstGeom prst="rect">
             <a:avLst/>
@@ -4971,7 +4971,7 @@
               <a:rPr lang="pt-BR" sz="1800" b="1" dirty="0">
                 <a:latin typeface="Calibri" panose="020F0502020204030204" pitchFamily="34" charset="0"/>
               </a:rPr>
-              <a:t>RENATO JARDIM PARDUCCI	</a:t>
+              <a:t>RENATO JARDIM PARDUCCIIIIIIIIIIII	</a:t>
             </a:r>
           </a:p>
         </p:txBody>
